--- a/slides/instruction/principleWindows_5.pptx
+++ b/slides/instruction/principleWindows_5.pptx
@@ -16875,7 +16875,7 @@
           <a:p>
             <a:fld id="{62B690D2-9F6C-4A40-B045-5871089CDE7B}" type="datetimeFigureOut">
               <a:rPr lang="zh-CN" altLang="en-US" smtClean="0"/>
-              <a:t>2021/10/25</a:t>
+              <a:t>2021/11/17</a:t>
             </a:fld>
             <a:endParaRPr lang="zh-CN" altLang="en-US"/>
           </a:p>
@@ -17186,6 +17186,94 @@
           <a:bodyPr/>
           <a:lstStyle/>
           <a:p>
+            <a:endParaRPr lang="zh-CN" altLang="en-US"/>
+          </a:p>
+        </p:txBody>
+      </p:sp>
+      <p:sp>
+        <p:nvSpPr>
+          <p:cNvPr id="4" name="灯片编号占位符 3"/>
+          <p:cNvSpPr>
+            <a:spLocks noGrp="1"/>
+          </p:cNvSpPr>
+          <p:nvPr>
+            <p:ph type="sldNum" sz="quarter" idx="5"/>
+          </p:nvPr>
+        </p:nvSpPr>
+        <p:spPr/>
+        <p:txBody>
+          <a:bodyPr/>
+          <a:lstStyle/>
+          <a:p>
+            <a:fld id="{FF6B7014-1CA7-42FF-9E69-87C27AE33F47}" type="slidenum">
+              <a:rPr lang="zh-CN" altLang="en-US" smtClean="0"/>
+              <a:t>1</a:t>
+            </a:fld>
+            <a:endParaRPr lang="zh-CN" altLang="en-US"/>
+          </a:p>
+        </p:txBody>
+      </p:sp>
+    </p:spTree>
+    <p:extLst>
+      <p:ext uri="{BB962C8B-B14F-4D97-AF65-F5344CB8AC3E}">
+        <p14:creationId xmlns:p14="http://schemas.microsoft.com/office/powerpoint/2010/main" val="1709499775"/>
+      </p:ext>
+    </p:extLst>
+  </p:cSld>
+  <p:clrMapOvr>
+    <a:masterClrMapping/>
+  </p:clrMapOvr>
+</p:notes>
+</file>
+
+<file path=ppt/notesSlides/notesSlide10.xml><?xml version="1.0" encoding="utf-8"?>
+<p:notes xmlns:a="http://schemas.openxmlformats.org/drawingml/2006/main" xmlns:r="http://schemas.openxmlformats.org/officeDocument/2006/relationships" xmlns:p="http://schemas.openxmlformats.org/presentationml/2006/main">
+  <p:cSld>
+    <p:spTree>
+      <p:nvGrpSpPr>
+        <p:cNvPr id="1" name=""/>
+        <p:cNvGrpSpPr/>
+        <p:nvPr/>
+      </p:nvGrpSpPr>
+      <p:grpSpPr>
+        <a:xfrm>
+          <a:off x="0" y="0"/>
+          <a:ext cx="0" cy="0"/>
+          <a:chOff x="0" y="0"/>
+          <a:chExt cx="0" cy="0"/>
+        </a:xfrm>
+      </p:grpSpPr>
+      <p:sp>
+        <p:nvSpPr>
+          <p:cNvPr id="2" name="幻灯片图像占位符 1"/>
+          <p:cNvSpPr>
+            <a:spLocks noGrp="1" noRot="1" noChangeAspect="1"/>
+          </p:cNvSpPr>
+          <p:nvPr>
+            <p:ph type="sldImg"/>
+          </p:nvPr>
+        </p:nvSpPr>
+        <p:spPr/>
+      </p:sp>
+      <p:sp>
+        <p:nvSpPr>
+          <p:cNvPr id="3" name="备注占位符 2"/>
+          <p:cNvSpPr>
+            <a:spLocks noGrp="1"/>
+          </p:cNvSpPr>
+          <p:nvPr>
+            <p:ph type="body" idx="1"/>
+          </p:nvPr>
+        </p:nvSpPr>
+        <p:spPr/>
+        <p:txBody>
+          <a:bodyPr/>
+          <a:lstStyle/>
+          <a:p>
+            <a:r>
+              <a:rPr lang="en-US" altLang="zh-CN" dirty="0"/>
+              <a:t>https://support.microsoft.com/en-us/help/322756/how-to-back-up-and-restore-the-registry-in-windows</a:t>
+            </a:r>
             <a:endParaRPr lang="zh-CN" altLang="en-US" dirty="0"/>
           </a:p>
         </p:txBody>
@@ -17207,7 +17295,7 @@
           <a:p>
             <a:fld id="{FF6B7014-1CA7-42FF-9E69-87C27AE33F47}" type="slidenum">
               <a:rPr lang="zh-CN" altLang="en-US" smtClean="0"/>
-              <a:t>2</a:t>
+              <a:t>29</a:t>
             </a:fld>
             <a:endParaRPr lang="zh-CN" altLang="en-US"/>
           </a:p>
@@ -17216,7 +17304,7 @@
     </p:spTree>
     <p:extLst>
       <p:ext uri="{BB962C8B-B14F-4D97-AF65-F5344CB8AC3E}">
-        <p14:creationId xmlns:p14="http://schemas.microsoft.com/office/powerpoint/2010/main" val="2536918471"/>
+        <p14:creationId xmlns:p14="http://schemas.microsoft.com/office/powerpoint/2010/main" val="867420901"/>
       </p:ext>
     </p:extLst>
   </p:cSld>
@@ -17226,7 +17314,7 @@
 </p:notes>
 </file>
 
-<file path=ppt/notesSlides/notesSlide10.xml><?xml version="1.0" encoding="utf-8"?>
+<file path=ppt/notesSlides/notesSlide11.xml><?xml version="1.0" encoding="utf-8"?>
 <p:notes xmlns:a="http://schemas.openxmlformats.org/drawingml/2006/main" xmlns:r="http://schemas.openxmlformats.org/officeDocument/2006/relationships" xmlns:p="http://schemas.openxmlformats.org/presentationml/2006/main">
   <p:cSld>
     <p:spTree>
@@ -17310,140 +17398,6 @@
 </p:notes>
 </file>
 
-<file path=ppt/notesSlides/notesSlide11.xml><?xml version="1.0" encoding="utf-8"?>
-<p:notes xmlns:a="http://schemas.openxmlformats.org/drawingml/2006/main" xmlns:r="http://schemas.openxmlformats.org/officeDocument/2006/relationships" xmlns:p="http://schemas.openxmlformats.org/presentationml/2006/main">
-  <p:cSld>
-    <p:spTree>
-      <p:nvGrpSpPr>
-        <p:cNvPr id="1" name=""/>
-        <p:cNvGrpSpPr/>
-        <p:nvPr/>
-      </p:nvGrpSpPr>
-      <p:grpSpPr>
-        <a:xfrm>
-          <a:off x="0" y="0"/>
-          <a:ext cx="0" cy="0"/>
-          <a:chOff x="0" y="0"/>
-          <a:chExt cx="0" cy="0"/>
-        </a:xfrm>
-      </p:grpSpPr>
-      <p:sp>
-        <p:nvSpPr>
-          <p:cNvPr id="2" name="幻灯片图像占位符 1"/>
-          <p:cNvSpPr>
-            <a:spLocks noGrp="1" noRot="1" noChangeAspect="1"/>
-          </p:cNvSpPr>
-          <p:nvPr>
-            <p:ph type="sldImg"/>
-          </p:nvPr>
-        </p:nvSpPr>
-        <p:spPr/>
-      </p:sp>
-      <p:sp>
-        <p:nvSpPr>
-          <p:cNvPr id="3" name="备注占位符 2"/>
-          <p:cNvSpPr>
-            <a:spLocks noGrp="1"/>
-          </p:cNvSpPr>
-          <p:nvPr>
-            <p:ph type="body" idx="1"/>
-          </p:nvPr>
-        </p:nvSpPr>
-        <p:spPr/>
-        <p:txBody>
-          <a:bodyPr/>
-          <a:lstStyle/>
-          <a:p>
-            <a:r>
-              <a:rPr lang="en-US" altLang="zh-CN" sz="1200" b="0" i="0" kern="1200" dirty="0">
-                <a:solidFill>
-                  <a:schemeClr val="tx1"/>
-                </a:solidFill>
-                <a:effectLst/>
-                <a:latin typeface="+mn-lt"/>
-                <a:ea typeface="+mn-ea"/>
-                <a:cs typeface="+mn-cs"/>
-              </a:rPr>
-              <a:t>Most of the supporting files for the hives are in the %</a:t>
-            </a:r>
-            <a:r>
-              <a:rPr lang="en-US" altLang="zh-CN" sz="1200" b="0" i="0" kern="1200" dirty="0" err="1">
-                <a:solidFill>
-                  <a:schemeClr val="tx1"/>
-                </a:solidFill>
-                <a:effectLst/>
-                <a:latin typeface="+mn-lt"/>
-                <a:ea typeface="+mn-ea"/>
-                <a:cs typeface="+mn-cs"/>
-              </a:rPr>
-              <a:t>SystemRoot</a:t>
-            </a:r>
-            <a:r>
-              <a:rPr lang="en-US" altLang="zh-CN" sz="1200" b="0" i="0" kern="1200" dirty="0">
-                <a:solidFill>
-                  <a:schemeClr val="tx1"/>
-                </a:solidFill>
-                <a:effectLst/>
-                <a:latin typeface="+mn-lt"/>
-                <a:ea typeface="+mn-ea"/>
-                <a:cs typeface="+mn-cs"/>
-              </a:rPr>
-              <a:t>%\System32\Config directory. </a:t>
-            </a:r>
-          </a:p>
-          <a:p>
-            <a:r>
-              <a:rPr lang="en-US" altLang="zh-CN" sz="1200" b="0" i="0" kern="1200" dirty="0">
-                <a:solidFill>
-                  <a:schemeClr val="tx1"/>
-                </a:solidFill>
-                <a:effectLst/>
-                <a:latin typeface="+mn-lt"/>
-                <a:ea typeface="+mn-ea"/>
-                <a:cs typeface="+mn-cs"/>
-              </a:rPr>
-              <a:t>These files are updated each time a user logs on</a:t>
-            </a:r>
-            <a:endParaRPr lang="zh-CN" altLang="en-US" dirty="0"/>
-          </a:p>
-        </p:txBody>
-      </p:sp>
-      <p:sp>
-        <p:nvSpPr>
-          <p:cNvPr id="4" name="灯片编号占位符 3"/>
-          <p:cNvSpPr>
-            <a:spLocks noGrp="1"/>
-          </p:cNvSpPr>
-          <p:nvPr>
-            <p:ph type="sldNum" sz="quarter" idx="5"/>
-          </p:nvPr>
-        </p:nvSpPr>
-        <p:spPr/>
-        <p:txBody>
-          <a:bodyPr/>
-          <a:lstStyle/>
-          <a:p>
-            <a:fld id="{FF6B7014-1CA7-42FF-9E69-87C27AE33F47}" type="slidenum">
-              <a:rPr lang="zh-CN" altLang="en-US" smtClean="0"/>
-              <a:t>32</a:t>
-            </a:fld>
-            <a:endParaRPr lang="zh-CN" altLang="en-US"/>
-          </a:p>
-        </p:txBody>
-      </p:sp>
-    </p:spTree>
-    <p:extLst>
-      <p:ext uri="{BB962C8B-B14F-4D97-AF65-F5344CB8AC3E}">
-        <p14:creationId xmlns:p14="http://schemas.microsoft.com/office/powerpoint/2010/main" val="1537333672"/>
-      </p:ext>
-    </p:extLst>
-  </p:cSld>
-  <p:clrMapOvr>
-    <a:masterClrMapping/>
-  </p:clrMapOvr>
-</p:notes>
-</file>
-
 <file path=ppt/notesSlides/notesSlide12.xml><?xml version="1.0" encoding="utf-8"?>
 <p:notes xmlns:a="http://schemas.openxmlformats.org/drawingml/2006/main" xmlns:r="http://schemas.openxmlformats.org/officeDocument/2006/relationships" xmlns:p="http://schemas.openxmlformats.org/presentationml/2006/main">
   <p:cSld>
@@ -17559,7 +17513,7 @@
           <a:p>
             <a:fld id="{FF6B7014-1CA7-42FF-9E69-87C27AE33F47}" type="slidenum">
               <a:rPr lang="zh-CN" altLang="en-US" smtClean="0"/>
-              <a:t>33</a:t>
+              <a:t>32</a:t>
             </a:fld>
             <a:endParaRPr lang="zh-CN" altLang="en-US"/>
           </a:p>
@@ -17568,7 +17522,7 @@
     </p:spTree>
     <p:extLst>
       <p:ext uri="{BB962C8B-B14F-4D97-AF65-F5344CB8AC3E}">
-        <p14:creationId xmlns:p14="http://schemas.microsoft.com/office/powerpoint/2010/main" val="1936138412"/>
+        <p14:creationId xmlns:p14="http://schemas.microsoft.com/office/powerpoint/2010/main" val="1537333672"/>
       </p:ext>
     </p:extLst>
   </p:cSld>
@@ -17623,21 +17577,56 @@
           <a:lstStyle/>
           <a:p>
             <a:r>
-              <a:rPr lang="en-US" altLang="zh-CN" dirty="0"/>
-              <a:t>https://docs.microsoft.com/en-us/windows/win32/sysinfo/registry</a:t>
+              <a:rPr lang="en-US" altLang="zh-CN" sz="1200" b="0" i="0" kern="1200" dirty="0">
+                <a:solidFill>
+                  <a:schemeClr val="tx1"/>
+                </a:solidFill>
+                <a:effectLst/>
+                <a:latin typeface="+mn-lt"/>
+                <a:ea typeface="+mn-ea"/>
+                <a:cs typeface="+mn-cs"/>
+              </a:rPr>
+              <a:t>Most of the supporting files for the hives are in the %</a:t>
+            </a:r>
+            <a:r>
+              <a:rPr lang="en-US" altLang="zh-CN" sz="1200" b="0" i="0" kern="1200" dirty="0" err="1">
+                <a:solidFill>
+                  <a:schemeClr val="tx1"/>
+                </a:solidFill>
+                <a:effectLst/>
+                <a:latin typeface="+mn-lt"/>
+                <a:ea typeface="+mn-ea"/>
+                <a:cs typeface="+mn-cs"/>
+              </a:rPr>
+              <a:t>SystemRoot</a:t>
+            </a:r>
+            <a:r>
+              <a:rPr lang="en-US" altLang="zh-CN" sz="1200" b="0" i="0" kern="1200" dirty="0">
+                <a:solidFill>
+                  <a:schemeClr val="tx1"/>
+                </a:solidFill>
+                <a:effectLst/>
+                <a:latin typeface="+mn-lt"/>
+                <a:ea typeface="+mn-ea"/>
+                <a:cs typeface="+mn-cs"/>
+              </a:rPr>
+              <a:t>%\System32\Config directory. </a:t>
             </a:r>
           </a:p>
           <a:p>
-            <a:endParaRPr lang="en-US" altLang="zh-CN" dirty="0"/>
-          </a:p>
-          <a:p>
-            <a:r>
-              <a:rPr lang="en-US" altLang="zh-CN" dirty="0"/>
-              <a:t>A hive is a logical group of keys, subkeys, and values in the registry that has a set of supporting files loaded into memory when the operating system is started or a user logs in.</a:t>
-            </a:r>
-          </a:p>
-          <a:p>
-            <a:endParaRPr lang="en-US" altLang="zh-CN" dirty="0"/>
+            <a:r>
+              <a:rPr lang="en-US" altLang="zh-CN" sz="1200" b="0" i="0" kern="1200" dirty="0">
+                <a:solidFill>
+                  <a:schemeClr val="tx1"/>
+                </a:solidFill>
+                <a:effectLst/>
+                <a:latin typeface="+mn-lt"/>
+                <a:ea typeface="+mn-ea"/>
+                <a:cs typeface="+mn-cs"/>
+              </a:rPr>
+              <a:t>These files are updated each time a user logs on</a:t>
+            </a:r>
+            <a:endParaRPr lang="zh-CN" altLang="en-US" dirty="0"/>
           </a:p>
         </p:txBody>
       </p:sp>
@@ -17658,7 +17647,7 @@
           <a:p>
             <a:fld id="{FF6B7014-1CA7-42FF-9E69-87C27AE33F47}" type="slidenum">
               <a:rPr lang="zh-CN" altLang="en-US" smtClean="0"/>
-              <a:t>34</a:t>
+              <a:t>33</a:t>
             </a:fld>
             <a:endParaRPr lang="zh-CN" altLang="en-US"/>
           </a:p>
@@ -17667,7 +17656,7 @@
     </p:spTree>
     <p:extLst>
       <p:ext uri="{BB962C8B-B14F-4D97-AF65-F5344CB8AC3E}">
-        <p14:creationId xmlns:p14="http://schemas.microsoft.com/office/powerpoint/2010/main" val="692336995"/>
+        <p14:creationId xmlns:p14="http://schemas.microsoft.com/office/powerpoint/2010/main" val="1936138412"/>
       </p:ext>
     </p:extLst>
   </p:cSld>
@@ -17722,56 +17711,21 @@
           <a:lstStyle/>
           <a:p>
             <a:r>
-              <a:rPr lang="en-US" altLang="zh-CN" sz="1200" b="0" i="0" kern="1200" dirty="0">
-                <a:solidFill>
-                  <a:schemeClr val="tx1"/>
-                </a:solidFill>
-                <a:effectLst/>
-                <a:latin typeface="+mn-lt"/>
-                <a:ea typeface="+mn-ea"/>
-                <a:cs typeface="+mn-cs"/>
-              </a:rPr>
-              <a:t>Most of the supporting files for the hives are in the %</a:t>
-            </a:r>
-            <a:r>
-              <a:rPr lang="en-US" altLang="zh-CN" sz="1200" b="0" i="0" kern="1200" dirty="0" err="1">
-                <a:solidFill>
-                  <a:schemeClr val="tx1"/>
-                </a:solidFill>
-                <a:effectLst/>
-                <a:latin typeface="+mn-lt"/>
-                <a:ea typeface="+mn-ea"/>
-                <a:cs typeface="+mn-cs"/>
-              </a:rPr>
-              <a:t>SystemRoot</a:t>
-            </a:r>
-            <a:r>
-              <a:rPr lang="en-US" altLang="zh-CN" sz="1200" b="0" i="0" kern="1200" dirty="0">
-                <a:solidFill>
-                  <a:schemeClr val="tx1"/>
-                </a:solidFill>
-                <a:effectLst/>
-                <a:latin typeface="+mn-lt"/>
-                <a:ea typeface="+mn-ea"/>
-                <a:cs typeface="+mn-cs"/>
-              </a:rPr>
-              <a:t>%\System32\Config directory. </a:t>
+              <a:rPr lang="en-US" altLang="zh-CN" dirty="0"/>
+              <a:t>https://docs.microsoft.com/en-us/windows/win32/sysinfo/registry</a:t>
             </a:r>
           </a:p>
           <a:p>
-            <a:r>
-              <a:rPr lang="en-US" altLang="zh-CN" sz="1200" b="0" i="0" kern="1200" dirty="0">
-                <a:solidFill>
-                  <a:schemeClr val="tx1"/>
-                </a:solidFill>
-                <a:effectLst/>
-                <a:latin typeface="+mn-lt"/>
-                <a:ea typeface="+mn-ea"/>
-                <a:cs typeface="+mn-cs"/>
-              </a:rPr>
-              <a:t>These files are updated each time a user logs on</a:t>
-            </a:r>
-            <a:endParaRPr lang="zh-CN" altLang="en-US" dirty="0"/>
+            <a:endParaRPr lang="en-US" altLang="zh-CN" dirty="0"/>
+          </a:p>
+          <a:p>
+            <a:r>
+              <a:rPr lang="en-US" altLang="zh-CN" dirty="0"/>
+              <a:t>A hive is a logical group of keys, subkeys, and values in the registry that has a set of supporting files loaded into memory when the operating system is started or a user logs in.</a:t>
+            </a:r>
+          </a:p>
+          <a:p>
+            <a:endParaRPr lang="en-US" altLang="zh-CN" dirty="0"/>
           </a:p>
         </p:txBody>
       </p:sp>
@@ -17792,7 +17746,7 @@
           <a:p>
             <a:fld id="{FF6B7014-1CA7-42FF-9E69-87C27AE33F47}" type="slidenum">
               <a:rPr lang="zh-CN" altLang="en-US" smtClean="0"/>
-              <a:t>35</a:t>
+              <a:t>34</a:t>
             </a:fld>
             <a:endParaRPr lang="zh-CN" altLang="en-US"/>
           </a:p>
@@ -17801,7 +17755,7 @@
     </p:spTree>
     <p:extLst>
       <p:ext uri="{BB962C8B-B14F-4D97-AF65-F5344CB8AC3E}">
-        <p14:creationId xmlns:p14="http://schemas.microsoft.com/office/powerpoint/2010/main" val="3762025210"/>
+        <p14:creationId xmlns:p14="http://schemas.microsoft.com/office/powerpoint/2010/main" val="692336995"/>
       </p:ext>
     </p:extLst>
   </p:cSld>
@@ -17926,6 +17880,140 @@
           <a:p>
             <a:fld id="{FF6B7014-1CA7-42FF-9E69-87C27AE33F47}" type="slidenum">
               <a:rPr lang="zh-CN" altLang="en-US" smtClean="0"/>
+              <a:t>35</a:t>
+            </a:fld>
+            <a:endParaRPr lang="zh-CN" altLang="en-US"/>
+          </a:p>
+        </p:txBody>
+      </p:sp>
+    </p:spTree>
+    <p:extLst>
+      <p:ext uri="{BB962C8B-B14F-4D97-AF65-F5344CB8AC3E}">
+        <p14:creationId xmlns:p14="http://schemas.microsoft.com/office/powerpoint/2010/main" val="3762025210"/>
+      </p:ext>
+    </p:extLst>
+  </p:cSld>
+  <p:clrMapOvr>
+    <a:masterClrMapping/>
+  </p:clrMapOvr>
+</p:notes>
+</file>
+
+<file path=ppt/notesSlides/notesSlide16.xml><?xml version="1.0" encoding="utf-8"?>
+<p:notes xmlns:a="http://schemas.openxmlformats.org/drawingml/2006/main" xmlns:r="http://schemas.openxmlformats.org/officeDocument/2006/relationships" xmlns:p="http://schemas.openxmlformats.org/presentationml/2006/main">
+  <p:cSld>
+    <p:spTree>
+      <p:nvGrpSpPr>
+        <p:cNvPr id="1" name=""/>
+        <p:cNvGrpSpPr/>
+        <p:nvPr/>
+      </p:nvGrpSpPr>
+      <p:grpSpPr>
+        <a:xfrm>
+          <a:off x="0" y="0"/>
+          <a:ext cx="0" cy="0"/>
+          <a:chOff x="0" y="0"/>
+          <a:chExt cx="0" cy="0"/>
+        </a:xfrm>
+      </p:grpSpPr>
+      <p:sp>
+        <p:nvSpPr>
+          <p:cNvPr id="2" name="幻灯片图像占位符 1"/>
+          <p:cNvSpPr>
+            <a:spLocks noGrp="1" noRot="1" noChangeAspect="1"/>
+          </p:cNvSpPr>
+          <p:nvPr>
+            <p:ph type="sldImg"/>
+          </p:nvPr>
+        </p:nvSpPr>
+        <p:spPr/>
+      </p:sp>
+      <p:sp>
+        <p:nvSpPr>
+          <p:cNvPr id="3" name="备注占位符 2"/>
+          <p:cNvSpPr>
+            <a:spLocks noGrp="1"/>
+          </p:cNvSpPr>
+          <p:nvPr>
+            <p:ph type="body" idx="1"/>
+          </p:nvPr>
+        </p:nvSpPr>
+        <p:spPr/>
+        <p:txBody>
+          <a:bodyPr/>
+          <a:lstStyle/>
+          <a:p>
+            <a:r>
+              <a:rPr lang="en-US" altLang="zh-CN" sz="1200" b="0" i="0" kern="1200" dirty="0">
+                <a:solidFill>
+                  <a:schemeClr val="tx1"/>
+                </a:solidFill>
+                <a:effectLst/>
+                <a:latin typeface="+mn-lt"/>
+                <a:ea typeface="+mn-ea"/>
+                <a:cs typeface="+mn-cs"/>
+              </a:rPr>
+              <a:t>Most of the supporting files for the hives are in the %</a:t>
+            </a:r>
+            <a:r>
+              <a:rPr lang="en-US" altLang="zh-CN" sz="1200" b="0" i="0" kern="1200" dirty="0" err="1">
+                <a:solidFill>
+                  <a:schemeClr val="tx1"/>
+                </a:solidFill>
+                <a:effectLst/>
+                <a:latin typeface="+mn-lt"/>
+                <a:ea typeface="+mn-ea"/>
+                <a:cs typeface="+mn-cs"/>
+              </a:rPr>
+              <a:t>SystemRoot</a:t>
+            </a:r>
+            <a:r>
+              <a:rPr lang="en-US" altLang="zh-CN" sz="1200" b="0" i="0" kern="1200" dirty="0">
+                <a:solidFill>
+                  <a:schemeClr val="tx1"/>
+                </a:solidFill>
+                <a:effectLst/>
+                <a:latin typeface="+mn-lt"/>
+                <a:ea typeface="+mn-ea"/>
+                <a:cs typeface="+mn-cs"/>
+              </a:rPr>
+              <a:t>%\System32\Config directory. </a:t>
+            </a:r>
+          </a:p>
+          <a:p>
+            <a:r>
+              <a:rPr lang="en-US" altLang="zh-CN" sz="1200" b="0" i="0" kern="1200" dirty="0">
+                <a:solidFill>
+                  <a:schemeClr val="tx1"/>
+                </a:solidFill>
+                <a:effectLst/>
+                <a:latin typeface="+mn-lt"/>
+                <a:ea typeface="+mn-ea"/>
+                <a:cs typeface="+mn-cs"/>
+              </a:rPr>
+              <a:t>These files are updated each time a user logs on</a:t>
+            </a:r>
+            <a:endParaRPr lang="zh-CN" altLang="en-US" dirty="0"/>
+          </a:p>
+        </p:txBody>
+      </p:sp>
+      <p:sp>
+        <p:nvSpPr>
+          <p:cNvPr id="4" name="灯片编号占位符 3"/>
+          <p:cNvSpPr>
+            <a:spLocks noGrp="1"/>
+          </p:cNvSpPr>
+          <p:nvPr>
+            <p:ph type="sldNum" sz="quarter" idx="5"/>
+          </p:nvPr>
+        </p:nvSpPr>
+        <p:spPr/>
+        <p:txBody>
+          <a:bodyPr/>
+          <a:lstStyle/>
+          <a:p>
+            <a:fld id="{FF6B7014-1CA7-42FF-9E69-87C27AE33F47}" type="slidenum">
+              <a:rPr lang="zh-CN" altLang="en-US" smtClean="0"/>
               <a:t>36</a:t>
             </a:fld>
             <a:endParaRPr lang="zh-CN" altLang="en-US"/>
@@ -17945,7 +18033,7 @@
 </p:notes>
 </file>
 
-<file path=ppt/notesSlides/notesSlide16.xml><?xml version="1.0" encoding="utf-8"?>
+<file path=ppt/notesSlides/notesSlide17.xml><?xml version="1.0" encoding="utf-8"?>
 <p:notes xmlns:a="http://schemas.openxmlformats.org/drawingml/2006/main" xmlns:r="http://schemas.openxmlformats.org/officeDocument/2006/relationships" xmlns:p="http://schemas.openxmlformats.org/presentationml/2006/main">
   <p:cSld>
     <p:spTree>
@@ -18094,6 +18182,90 @@
           <a:p>
             <a:fld id="{FF6B7014-1CA7-42FF-9E69-87C27AE33F47}" type="slidenum">
               <a:rPr lang="zh-CN" altLang="en-US" smtClean="0"/>
+              <a:t>2</a:t>
+            </a:fld>
+            <a:endParaRPr lang="zh-CN" altLang="en-US"/>
+          </a:p>
+        </p:txBody>
+      </p:sp>
+    </p:spTree>
+    <p:extLst>
+      <p:ext uri="{BB962C8B-B14F-4D97-AF65-F5344CB8AC3E}">
+        <p14:creationId xmlns:p14="http://schemas.microsoft.com/office/powerpoint/2010/main" val="2536918471"/>
+      </p:ext>
+    </p:extLst>
+  </p:cSld>
+  <p:clrMapOvr>
+    <a:masterClrMapping/>
+  </p:clrMapOvr>
+</p:notes>
+</file>
+
+<file path=ppt/notesSlides/notesSlide3.xml><?xml version="1.0" encoding="utf-8"?>
+<p:notes xmlns:a="http://schemas.openxmlformats.org/drawingml/2006/main" xmlns:r="http://schemas.openxmlformats.org/officeDocument/2006/relationships" xmlns:p="http://schemas.openxmlformats.org/presentationml/2006/main">
+  <p:cSld>
+    <p:spTree>
+      <p:nvGrpSpPr>
+        <p:cNvPr id="1" name=""/>
+        <p:cNvGrpSpPr/>
+        <p:nvPr/>
+      </p:nvGrpSpPr>
+      <p:grpSpPr>
+        <a:xfrm>
+          <a:off x="0" y="0"/>
+          <a:ext cx="0" cy="0"/>
+          <a:chOff x="0" y="0"/>
+          <a:chExt cx="0" cy="0"/>
+        </a:xfrm>
+      </p:grpSpPr>
+      <p:sp>
+        <p:nvSpPr>
+          <p:cNvPr id="2" name="幻灯片图像占位符 1"/>
+          <p:cNvSpPr>
+            <a:spLocks noGrp="1" noRot="1" noChangeAspect="1"/>
+          </p:cNvSpPr>
+          <p:nvPr>
+            <p:ph type="sldImg"/>
+          </p:nvPr>
+        </p:nvSpPr>
+        <p:spPr/>
+      </p:sp>
+      <p:sp>
+        <p:nvSpPr>
+          <p:cNvPr id="3" name="备注占位符 2"/>
+          <p:cNvSpPr>
+            <a:spLocks noGrp="1"/>
+          </p:cNvSpPr>
+          <p:nvPr>
+            <p:ph type="body" idx="1"/>
+          </p:nvPr>
+        </p:nvSpPr>
+        <p:spPr/>
+        <p:txBody>
+          <a:bodyPr/>
+          <a:lstStyle/>
+          <a:p>
+            <a:endParaRPr lang="zh-CN" altLang="en-US" dirty="0"/>
+          </a:p>
+        </p:txBody>
+      </p:sp>
+      <p:sp>
+        <p:nvSpPr>
+          <p:cNvPr id="4" name="灯片编号占位符 3"/>
+          <p:cNvSpPr>
+            <a:spLocks noGrp="1"/>
+          </p:cNvSpPr>
+          <p:nvPr>
+            <p:ph type="sldNum" sz="quarter" idx="5"/>
+          </p:nvPr>
+        </p:nvSpPr>
+        <p:spPr/>
+        <p:txBody>
+          <a:bodyPr/>
+          <a:lstStyle/>
+          <a:p>
+            <a:fld id="{FF6B7014-1CA7-42FF-9E69-87C27AE33F47}" type="slidenum">
+              <a:rPr lang="zh-CN" altLang="en-US" smtClean="0"/>
               <a:t>3</a:t>
             </a:fld>
             <a:endParaRPr lang="zh-CN" altLang="en-US"/>
@@ -18113,7 +18285,7 @@
 </p:notes>
 </file>
 
-<file path=ppt/notesSlides/notesSlide3.xml><?xml version="1.0" encoding="utf-8"?>
+<file path=ppt/notesSlides/notesSlide4.xml><?xml version="1.0" encoding="utf-8"?>
 <p:notes xmlns:a="http://schemas.openxmlformats.org/drawingml/2006/main" xmlns:r="http://schemas.openxmlformats.org/officeDocument/2006/relationships" xmlns:p="http://schemas.openxmlformats.org/presentationml/2006/main">
   <p:cSld>
     <p:spTree>
@@ -18197,111 +18369,6 @@
 </p:notes>
 </file>
 
-<file path=ppt/notesSlides/notesSlide4.xml><?xml version="1.0" encoding="utf-8"?>
-<p:notes xmlns:a="http://schemas.openxmlformats.org/drawingml/2006/main" xmlns:r="http://schemas.openxmlformats.org/officeDocument/2006/relationships" xmlns:p="http://schemas.openxmlformats.org/presentationml/2006/main">
-  <p:cSld>
-    <p:spTree>
-      <p:nvGrpSpPr>
-        <p:cNvPr id="1" name=""/>
-        <p:cNvGrpSpPr/>
-        <p:nvPr/>
-      </p:nvGrpSpPr>
-      <p:grpSpPr>
-        <a:xfrm>
-          <a:off x="0" y="0"/>
-          <a:ext cx="0" cy="0"/>
-          <a:chOff x="0" y="0"/>
-          <a:chExt cx="0" cy="0"/>
-        </a:xfrm>
-      </p:grpSpPr>
-      <p:sp>
-        <p:nvSpPr>
-          <p:cNvPr id="2" name="幻灯片图像占位符 1"/>
-          <p:cNvSpPr>
-            <a:spLocks noGrp="1" noRot="1" noChangeAspect="1"/>
-          </p:cNvSpPr>
-          <p:nvPr>
-            <p:ph type="sldImg"/>
-          </p:nvPr>
-        </p:nvSpPr>
-        <p:spPr/>
-      </p:sp>
-      <p:sp>
-        <p:nvSpPr>
-          <p:cNvPr id="3" name="备注占位符 2"/>
-          <p:cNvSpPr>
-            <a:spLocks noGrp="1"/>
-          </p:cNvSpPr>
-          <p:nvPr>
-            <p:ph type="body" idx="1"/>
-          </p:nvPr>
-        </p:nvSpPr>
-        <p:spPr/>
-        <p:txBody>
-          <a:bodyPr/>
-          <a:lstStyle/>
-          <a:p>
-            <a:r>
-              <a:rPr lang="en-US" altLang="zh-CN" dirty="0"/>
-              <a:t>https://support.microsoft.com/en-us/help/305097/how-to-view-the-system-registry-by-using-64-bit-versions-of-windows</a:t>
-            </a:r>
-          </a:p>
-          <a:p>
-            <a:endParaRPr lang="en-US" altLang="zh-CN" dirty="0"/>
-          </a:p>
-          <a:p>
-            <a:r>
-              <a:rPr lang="en-US" altLang="zh-CN" dirty="0"/>
-              <a:t>You must close the 64-bit version of Registry Editor before you can open the 32-bit version (and vice versa) unless you start the second instance of Registry Editor with the -m switch. For example, if the 64-bit version of Registry Editor is already running, type %</a:t>
-            </a:r>
-            <a:r>
-              <a:rPr lang="en-US" altLang="zh-CN" dirty="0" err="1"/>
-              <a:t>systemroot</a:t>
-            </a:r>
-            <a:r>
-              <a:rPr lang="en-US" altLang="zh-CN" dirty="0"/>
-              <a:t>%\syswow64\regedit -m in step 2 to start the 32-bit version of Registry Editor.</a:t>
-            </a:r>
-            <a:endParaRPr lang="zh-CN" altLang="en-US" dirty="0"/>
-          </a:p>
-        </p:txBody>
-      </p:sp>
-      <p:sp>
-        <p:nvSpPr>
-          <p:cNvPr id="4" name="灯片编号占位符 3"/>
-          <p:cNvSpPr>
-            <a:spLocks noGrp="1"/>
-          </p:cNvSpPr>
-          <p:nvPr>
-            <p:ph type="sldNum" sz="quarter" idx="5"/>
-          </p:nvPr>
-        </p:nvSpPr>
-        <p:spPr/>
-        <p:txBody>
-          <a:bodyPr/>
-          <a:lstStyle/>
-          <a:p>
-            <a:fld id="{FF6B7014-1CA7-42FF-9E69-87C27AE33F47}" type="slidenum">
-              <a:rPr lang="zh-CN" altLang="en-US" smtClean="0"/>
-              <a:t>6</a:t>
-            </a:fld>
-            <a:endParaRPr lang="zh-CN" altLang="en-US"/>
-          </a:p>
-        </p:txBody>
-      </p:sp>
-    </p:spTree>
-    <p:extLst>
-      <p:ext uri="{BB962C8B-B14F-4D97-AF65-F5344CB8AC3E}">
-        <p14:creationId xmlns:p14="http://schemas.microsoft.com/office/powerpoint/2010/main" val="3781416324"/>
-      </p:ext>
-    </p:extLst>
-  </p:cSld>
-  <p:clrMapOvr>
-    <a:masterClrMapping/>
-  </p:clrMapOvr>
-</p:notes>
-</file>
-
 <file path=ppt/notesSlides/notesSlide5.xml><?xml version="1.0" encoding="utf-8"?>
 <p:notes xmlns:a="http://schemas.openxmlformats.org/drawingml/2006/main" xmlns:r="http://schemas.openxmlformats.org/officeDocument/2006/relationships" xmlns:p="http://schemas.openxmlformats.org/presentationml/2006/main">
   <p:cSld>
@@ -18348,6 +18415,111 @@
           <a:p>
             <a:r>
               <a:rPr lang="en-US" altLang="zh-CN" dirty="0"/>
+              <a:t>https://support.microsoft.com/en-us/help/305097/how-to-view-the-system-registry-by-using-64-bit-versions-of-windows</a:t>
+            </a:r>
+          </a:p>
+          <a:p>
+            <a:endParaRPr lang="en-US" altLang="zh-CN" dirty="0"/>
+          </a:p>
+          <a:p>
+            <a:r>
+              <a:rPr lang="en-US" altLang="zh-CN" dirty="0"/>
+              <a:t>You must close the 64-bit version of Registry Editor before you can open the 32-bit version (and vice versa) unless you start the second instance of Registry Editor with the -m switch. For example, if the 64-bit version of Registry Editor is already running, type %</a:t>
+            </a:r>
+            <a:r>
+              <a:rPr lang="en-US" altLang="zh-CN" dirty="0" err="1"/>
+              <a:t>systemroot</a:t>
+            </a:r>
+            <a:r>
+              <a:rPr lang="en-US" altLang="zh-CN" dirty="0"/>
+              <a:t>%\syswow64\regedit -m in step 2 to start the 32-bit version of Registry Editor.</a:t>
+            </a:r>
+            <a:endParaRPr lang="zh-CN" altLang="en-US" dirty="0"/>
+          </a:p>
+        </p:txBody>
+      </p:sp>
+      <p:sp>
+        <p:nvSpPr>
+          <p:cNvPr id="4" name="灯片编号占位符 3"/>
+          <p:cNvSpPr>
+            <a:spLocks noGrp="1"/>
+          </p:cNvSpPr>
+          <p:nvPr>
+            <p:ph type="sldNum" sz="quarter" idx="5"/>
+          </p:nvPr>
+        </p:nvSpPr>
+        <p:spPr/>
+        <p:txBody>
+          <a:bodyPr/>
+          <a:lstStyle/>
+          <a:p>
+            <a:fld id="{FF6B7014-1CA7-42FF-9E69-87C27AE33F47}" type="slidenum">
+              <a:rPr lang="zh-CN" altLang="en-US" smtClean="0"/>
+              <a:t>6</a:t>
+            </a:fld>
+            <a:endParaRPr lang="zh-CN" altLang="en-US"/>
+          </a:p>
+        </p:txBody>
+      </p:sp>
+    </p:spTree>
+    <p:extLst>
+      <p:ext uri="{BB962C8B-B14F-4D97-AF65-F5344CB8AC3E}">
+        <p14:creationId xmlns:p14="http://schemas.microsoft.com/office/powerpoint/2010/main" val="3781416324"/>
+      </p:ext>
+    </p:extLst>
+  </p:cSld>
+  <p:clrMapOvr>
+    <a:masterClrMapping/>
+  </p:clrMapOvr>
+</p:notes>
+</file>
+
+<file path=ppt/notesSlides/notesSlide6.xml><?xml version="1.0" encoding="utf-8"?>
+<p:notes xmlns:a="http://schemas.openxmlformats.org/drawingml/2006/main" xmlns:r="http://schemas.openxmlformats.org/officeDocument/2006/relationships" xmlns:p="http://schemas.openxmlformats.org/presentationml/2006/main">
+  <p:cSld>
+    <p:spTree>
+      <p:nvGrpSpPr>
+        <p:cNvPr id="1" name=""/>
+        <p:cNvGrpSpPr/>
+        <p:nvPr/>
+      </p:nvGrpSpPr>
+      <p:grpSpPr>
+        <a:xfrm>
+          <a:off x="0" y="0"/>
+          <a:ext cx="0" cy="0"/>
+          <a:chOff x="0" y="0"/>
+          <a:chExt cx="0" cy="0"/>
+        </a:xfrm>
+      </p:grpSpPr>
+      <p:sp>
+        <p:nvSpPr>
+          <p:cNvPr id="2" name="幻灯片图像占位符 1"/>
+          <p:cNvSpPr>
+            <a:spLocks noGrp="1" noRot="1" noChangeAspect="1"/>
+          </p:cNvSpPr>
+          <p:nvPr>
+            <p:ph type="sldImg"/>
+          </p:nvPr>
+        </p:nvSpPr>
+        <p:spPr/>
+      </p:sp>
+      <p:sp>
+        <p:nvSpPr>
+          <p:cNvPr id="3" name="备注占位符 2"/>
+          <p:cNvSpPr>
+            <a:spLocks noGrp="1"/>
+          </p:cNvSpPr>
+          <p:nvPr>
+            <p:ph type="body" idx="1"/>
+          </p:nvPr>
+        </p:nvSpPr>
+        <p:spPr/>
+        <p:txBody>
+          <a:bodyPr/>
+          <a:lstStyle/>
+          <a:p>
+            <a:r>
+              <a:rPr lang="en-US" altLang="zh-CN" dirty="0"/>
               <a:t>https://docs.microsoft.com/en-us/windows/win32/sysinfo/registry-element-size-limits</a:t>
             </a:r>
             <a:endParaRPr lang="zh-CN" altLang="en-US" dirty="0"/>
@@ -18390,7 +18562,7 @@
 </p:notes>
 </file>
 
-<file path=ppt/notesSlides/notesSlide6.xml><?xml version="1.0" encoding="utf-8"?>
+<file path=ppt/notesSlides/notesSlide7.xml><?xml version="1.0" encoding="utf-8"?>
 <p:notes xmlns:a="http://schemas.openxmlformats.org/drawingml/2006/main" xmlns:r="http://schemas.openxmlformats.org/officeDocument/2006/relationships" xmlns:p="http://schemas.openxmlformats.org/presentationml/2006/main">
   <p:cSld>
     <p:spTree>
@@ -18474,7 +18646,7 @@
 </p:notes>
 </file>
 
-<file path=ppt/notesSlides/notesSlide7.xml><?xml version="1.0" encoding="utf-8"?>
+<file path=ppt/notesSlides/notesSlide8.xml><?xml version="1.0" encoding="utf-8"?>
 <p:notes xmlns:a="http://schemas.openxmlformats.org/drawingml/2006/main" xmlns:r="http://schemas.openxmlformats.org/officeDocument/2006/relationships" xmlns:p="http://schemas.openxmlformats.org/presentationml/2006/main">
   <p:cSld>
     <p:spTree>
@@ -18558,7 +18730,7 @@
 </p:notes>
 </file>
 
-<file path=ppt/notesSlides/notesSlide8.xml><?xml version="1.0" encoding="utf-8"?>
+<file path=ppt/notesSlides/notesSlide9.xml><?xml version="1.0" encoding="utf-8"?>
 <p:notes xmlns:a="http://schemas.openxmlformats.org/drawingml/2006/main" xmlns:r="http://schemas.openxmlformats.org/officeDocument/2006/relationships" xmlns:p="http://schemas.openxmlformats.org/presentationml/2006/main">
   <p:cSld>
     <p:spTree>
@@ -18633,94 +18805,6 @@
     <p:extLst>
       <p:ext uri="{BB962C8B-B14F-4D97-AF65-F5344CB8AC3E}">
         <p14:creationId xmlns:p14="http://schemas.microsoft.com/office/powerpoint/2010/main" val="1733447774"/>
-      </p:ext>
-    </p:extLst>
-  </p:cSld>
-  <p:clrMapOvr>
-    <a:masterClrMapping/>
-  </p:clrMapOvr>
-</p:notes>
-</file>
-
-<file path=ppt/notesSlides/notesSlide9.xml><?xml version="1.0" encoding="utf-8"?>
-<p:notes xmlns:a="http://schemas.openxmlformats.org/drawingml/2006/main" xmlns:r="http://schemas.openxmlformats.org/officeDocument/2006/relationships" xmlns:p="http://schemas.openxmlformats.org/presentationml/2006/main">
-  <p:cSld>
-    <p:spTree>
-      <p:nvGrpSpPr>
-        <p:cNvPr id="1" name=""/>
-        <p:cNvGrpSpPr/>
-        <p:nvPr/>
-      </p:nvGrpSpPr>
-      <p:grpSpPr>
-        <a:xfrm>
-          <a:off x="0" y="0"/>
-          <a:ext cx="0" cy="0"/>
-          <a:chOff x="0" y="0"/>
-          <a:chExt cx="0" cy="0"/>
-        </a:xfrm>
-      </p:grpSpPr>
-      <p:sp>
-        <p:nvSpPr>
-          <p:cNvPr id="2" name="幻灯片图像占位符 1"/>
-          <p:cNvSpPr>
-            <a:spLocks noGrp="1" noRot="1" noChangeAspect="1"/>
-          </p:cNvSpPr>
-          <p:nvPr>
-            <p:ph type="sldImg"/>
-          </p:nvPr>
-        </p:nvSpPr>
-        <p:spPr/>
-      </p:sp>
-      <p:sp>
-        <p:nvSpPr>
-          <p:cNvPr id="3" name="备注占位符 2"/>
-          <p:cNvSpPr>
-            <a:spLocks noGrp="1"/>
-          </p:cNvSpPr>
-          <p:nvPr>
-            <p:ph type="body" idx="1"/>
-          </p:nvPr>
-        </p:nvSpPr>
-        <p:spPr/>
-        <p:txBody>
-          <a:bodyPr/>
-          <a:lstStyle/>
-          <a:p>
-            <a:r>
-              <a:rPr lang="en-US" altLang="zh-CN" dirty="0"/>
-              <a:t>https://support.microsoft.com/en-us/help/322756/how-to-back-up-and-restore-the-registry-in-windows</a:t>
-            </a:r>
-            <a:endParaRPr lang="zh-CN" altLang="en-US" dirty="0"/>
-          </a:p>
-        </p:txBody>
-      </p:sp>
-      <p:sp>
-        <p:nvSpPr>
-          <p:cNvPr id="4" name="灯片编号占位符 3"/>
-          <p:cNvSpPr>
-            <a:spLocks noGrp="1"/>
-          </p:cNvSpPr>
-          <p:nvPr>
-            <p:ph type="sldNum" sz="quarter" idx="5"/>
-          </p:nvPr>
-        </p:nvSpPr>
-        <p:spPr/>
-        <p:txBody>
-          <a:bodyPr/>
-          <a:lstStyle/>
-          <a:p>
-            <a:fld id="{FF6B7014-1CA7-42FF-9E69-87C27AE33F47}" type="slidenum">
-              <a:rPr lang="zh-CN" altLang="en-US" smtClean="0"/>
-              <a:t>29</a:t>
-            </a:fld>
-            <a:endParaRPr lang="zh-CN" altLang="en-US"/>
-          </a:p>
-        </p:txBody>
-      </p:sp>
-    </p:spTree>
-    <p:extLst>
-      <p:ext uri="{BB962C8B-B14F-4D97-AF65-F5344CB8AC3E}">
-        <p14:creationId xmlns:p14="http://schemas.microsoft.com/office/powerpoint/2010/main" val="867420901"/>
       </p:ext>
     </p:extLst>
   </p:cSld>
@@ -23072,7 +23156,6 @@
           </a:p>
           <a:p>
             <a:pPr marL="0" indent="0" algn="r">
-              <a:buFont typeface="Arial" panose="020B0604020202020204" pitchFamily="34" charset="0"/>
               <a:buNone/>
             </a:pPr>
             <a:r>
@@ -23085,7 +23168,7 @@
                 <a:latin typeface="Arial" panose="020B0604020202020204" pitchFamily="34" charset="0"/>
                 <a:cs typeface="Arial" panose="020B0604020202020204" pitchFamily="34" charset="0"/>
               </a:rPr>
-              <a:t>jicheng</a:t>
+              <a:t>jichengwhu</a:t>
             </a:r>
             <a:r>
               <a:rPr lang="en-US" altLang="zh-CN" sz="2400" b="0" dirty="0">
@@ -23097,7 +23180,7 @@
                 <a:latin typeface="Arial" panose="020B0604020202020204" pitchFamily="34" charset="0"/>
                 <a:cs typeface="Arial" panose="020B0604020202020204" pitchFamily="34" charset="0"/>
               </a:rPr>
-              <a:t> @ yahoo . com</a:t>
+              <a:t> @ 163 . com</a:t>
             </a:r>
           </a:p>
           <a:p>
@@ -23115,6 +23198,47 @@
                 <a:cs typeface="Arial" panose="020B0604020202020204" pitchFamily="34" charset="0"/>
               </a:rPr>
               <a:t>https://gitee.com/principlewindows/win-principle-2021</a:t>
+            </a:r>
+          </a:p>
+        </p:txBody>
+      </p:sp>
+      <p:sp>
+        <p:nvSpPr>
+          <p:cNvPr id="5" name="文本框 4">
+            <a:extLst>
+              <a:ext uri="{FF2B5EF4-FFF2-40B4-BE49-F238E27FC236}">
+                <a16:creationId xmlns:a16="http://schemas.microsoft.com/office/drawing/2014/main" id="{31AA42FC-70D3-4EDE-AD3F-4F9DA7F6A8F6}"/>
+              </a:ext>
+            </a:extLst>
+          </p:cNvPr>
+          <p:cNvSpPr txBox="1"/>
+          <p:nvPr/>
+        </p:nvSpPr>
+        <p:spPr>
+          <a:xfrm>
+            <a:off x="172526" y="460749"/>
+            <a:ext cx="8818418" cy="523220"/>
+          </a:xfrm>
+          <a:prstGeom prst="rect">
+            <a:avLst/>
+          </a:prstGeom>
+          <a:noFill/>
+        </p:spPr>
+        <p:txBody>
+          <a:bodyPr wrap="square" rtlCol="0">
+            <a:spAutoFit/>
+          </a:bodyPr>
+          <a:lstStyle/>
+          <a:p>
+            <a:r>
+              <a:rPr lang="zh-CN" altLang="en-US" sz="2800" dirty="0">
+                <a:solidFill>
+                  <a:srgbClr val="FF0000"/>
+                </a:solidFill>
+                <a:latin typeface="微软雅黑" panose="020B0503020204020204" pitchFamily="34" charset="-122"/>
+                <a:ea typeface="微软雅黑" panose="020B0503020204020204" pitchFamily="34" charset="-122"/>
+              </a:rPr>
+              <a:t>实验报告务请按课程教学网站模板撰写！</a:t>
             </a:r>
           </a:p>
         </p:txBody>
@@ -37498,6 +37622,48 @@
           </a:p>
         </p:txBody>
       </p:sp>
+      <p:sp>
+        <p:nvSpPr>
+          <p:cNvPr id="16" name="矩形 15">
+            <a:extLst>
+              <a:ext uri="{FF2B5EF4-FFF2-40B4-BE49-F238E27FC236}">
+                <a16:creationId xmlns:a16="http://schemas.microsoft.com/office/drawing/2014/main" id="{5360BE53-56D4-435D-9230-C0958E01F862}"/>
+              </a:ext>
+            </a:extLst>
+          </p:cNvPr>
+          <p:cNvSpPr/>
+          <p:nvPr/>
+        </p:nvSpPr>
+        <p:spPr>
+          <a:xfrm>
+            <a:off x="9518081" y="2009561"/>
+            <a:ext cx="2031325" cy="700769"/>
+          </a:xfrm>
+          <a:prstGeom prst="rect">
+            <a:avLst/>
+          </a:prstGeom>
+        </p:spPr>
+        <p:txBody>
+          <a:bodyPr wrap="none">
+            <a:spAutoFit/>
+          </a:bodyPr>
+          <a:lstStyle/>
+          <a:p>
+            <a:r>
+              <a:rPr lang="zh-CN" altLang="en-US" b="0" dirty="0">
+                <a:solidFill>
+                  <a:schemeClr val="bg2">
+                    <a:lumMod val="50000"/>
+                  </a:schemeClr>
+                </a:solidFill>
+                <a:latin typeface="微软雅黑" panose="020B0503020204020204" pitchFamily="34" charset="-122"/>
+                <a:ea typeface="微软雅黑" panose="020B0503020204020204" pitchFamily="34" charset="-122"/>
+              </a:rPr>
+              <a:t>配置单元</a:t>
+            </a:r>
+          </a:p>
+        </p:txBody>
+      </p:sp>
     </p:spTree>
     <p:extLst>
       <p:ext uri="{BB962C8B-B14F-4D97-AF65-F5344CB8AC3E}">

--- a/slides/instruction/principleWindows_5.pptx
+++ b/slides/instruction/principleWindows_5.pptx
@@ -16875,7 +16875,7 @@
           <a:p>
             <a:fld id="{62B690D2-9F6C-4A40-B045-5871089CDE7B}" type="datetimeFigureOut">
               <a:rPr lang="zh-CN" altLang="en-US" smtClean="0"/>
-              <a:t>2021/11/17</a:t>
+              <a:t>2021/11/23</a:t>
             </a:fld>
             <a:endParaRPr lang="zh-CN" altLang="en-US"/>
           </a:p>
@@ -17270,6 +17270,90 @@
           <a:bodyPr/>
           <a:lstStyle/>
           <a:p>
+            <a:endParaRPr lang="zh-CN" altLang="en-US" dirty="0"/>
+          </a:p>
+        </p:txBody>
+      </p:sp>
+      <p:sp>
+        <p:nvSpPr>
+          <p:cNvPr id="4" name="灯片编号占位符 3"/>
+          <p:cNvSpPr>
+            <a:spLocks noGrp="1"/>
+          </p:cNvSpPr>
+          <p:nvPr>
+            <p:ph type="sldNum" sz="quarter" idx="5"/>
+          </p:nvPr>
+        </p:nvSpPr>
+        <p:spPr/>
+        <p:txBody>
+          <a:bodyPr/>
+          <a:lstStyle/>
+          <a:p>
+            <a:fld id="{FF6B7014-1CA7-42FF-9E69-87C27AE33F47}" type="slidenum">
+              <a:rPr lang="zh-CN" altLang="en-US" smtClean="0"/>
+              <a:t>27</a:t>
+            </a:fld>
+            <a:endParaRPr lang="zh-CN" altLang="en-US"/>
+          </a:p>
+        </p:txBody>
+      </p:sp>
+    </p:spTree>
+    <p:extLst>
+      <p:ext uri="{BB962C8B-B14F-4D97-AF65-F5344CB8AC3E}">
+        <p14:creationId xmlns:p14="http://schemas.microsoft.com/office/powerpoint/2010/main" val="1733447774"/>
+      </p:ext>
+    </p:extLst>
+  </p:cSld>
+  <p:clrMapOvr>
+    <a:masterClrMapping/>
+  </p:clrMapOvr>
+</p:notes>
+</file>
+
+<file path=ppt/notesSlides/notesSlide11.xml><?xml version="1.0" encoding="utf-8"?>
+<p:notes xmlns:a="http://schemas.openxmlformats.org/drawingml/2006/main" xmlns:r="http://schemas.openxmlformats.org/officeDocument/2006/relationships" xmlns:p="http://schemas.openxmlformats.org/presentationml/2006/main">
+  <p:cSld>
+    <p:spTree>
+      <p:nvGrpSpPr>
+        <p:cNvPr id="1" name=""/>
+        <p:cNvGrpSpPr/>
+        <p:nvPr/>
+      </p:nvGrpSpPr>
+      <p:grpSpPr>
+        <a:xfrm>
+          <a:off x="0" y="0"/>
+          <a:ext cx="0" cy="0"/>
+          <a:chOff x="0" y="0"/>
+          <a:chExt cx="0" cy="0"/>
+        </a:xfrm>
+      </p:grpSpPr>
+      <p:sp>
+        <p:nvSpPr>
+          <p:cNvPr id="2" name="幻灯片图像占位符 1"/>
+          <p:cNvSpPr>
+            <a:spLocks noGrp="1" noRot="1" noChangeAspect="1"/>
+          </p:cNvSpPr>
+          <p:nvPr>
+            <p:ph type="sldImg"/>
+          </p:nvPr>
+        </p:nvSpPr>
+        <p:spPr/>
+      </p:sp>
+      <p:sp>
+        <p:nvSpPr>
+          <p:cNvPr id="3" name="备注占位符 2"/>
+          <p:cNvSpPr>
+            <a:spLocks noGrp="1"/>
+          </p:cNvSpPr>
+          <p:nvPr>
+            <p:ph type="body" idx="1"/>
+          </p:nvPr>
+        </p:nvSpPr>
+        <p:spPr/>
+        <p:txBody>
+          <a:bodyPr/>
+          <a:lstStyle/>
+          <a:p>
             <a:r>
               <a:rPr lang="en-US" altLang="zh-CN" dirty="0"/>
               <a:t>https://support.microsoft.com/en-us/help/322756/how-to-back-up-and-restore-the-registry-in-windows</a:t>
@@ -17314,7 +17398,7 @@
 </p:notes>
 </file>
 
-<file path=ppt/notesSlides/notesSlide11.xml><?xml version="1.0" encoding="utf-8"?>
+<file path=ppt/notesSlides/notesSlide12.xml><?xml version="1.0" encoding="utf-8"?>
 <p:notes xmlns:a="http://schemas.openxmlformats.org/drawingml/2006/main" xmlns:r="http://schemas.openxmlformats.org/officeDocument/2006/relationships" xmlns:p="http://schemas.openxmlformats.org/presentationml/2006/main">
   <p:cSld>
     <p:spTree>
@@ -17398,140 +17482,6 @@
 </p:notes>
 </file>
 
-<file path=ppt/notesSlides/notesSlide12.xml><?xml version="1.0" encoding="utf-8"?>
-<p:notes xmlns:a="http://schemas.openxmlformats.org/drawingml/2006/main" xmlns:r="http://schemas.openxmlformats.org/officeDocument/2006/relationships" xmlns:p="http://schemas.openxmlformats.org/presentationml/2006/main">
-  <p:cSld>
-    <p:spTree>
-      <p:nvGrpSpPr>
-        <p:cNvPr id="1" name=""/>
-        <p:cNvGrpSpPr/>
-        <p:nvPr/>
-      </p:nvGrpSpPr>
-      <p:grpSpPr>
-        <a:xfrm>
-          <a:off x="0" y="0"/>
-          <a:ext cx="0" cy="0"/>
-          <a:chOff x="0" y="0"/>
-          <a:chExt cx="0" cy="0"/>
-        </a:xfrm>
-      </p:grpSpPr>
-      <p:sp>
-        <p:nvSpPr>
-          <p:cNvPr id="2" name="幻灯片图像占位符 1"/>
-          <p:cNvSpPr>
-            <a:spLocks noGrp="1" noRot="1" noChangeAspect="1"/>
-          </p:cNvSpPr>
-          <p:nvPr>
-            <p:ph type="sldImg"/>
-          </p:nvPr>
-        </p:nvSpPr>
-        <p:spPr/>
-      </p:sp>
-      <p:sp>
-        <p:nvSpPr>
-          <p:cNvPr id="3" name="备注占位符 2"/>
-          <p:cNvSpPr>
-            <a:spLocks noGrp="1"/>
-          </p:cNvSpPr>
-          <p:nvPr>
-            <p:ph type="body" idx="1"/>
-          </p:nvPr>
-        </p:nvSpPr>
-        <p:spPr/>
-        <p:txBody>
-          <a:bodyPr/>
-          <a:lstStyle/>
-          <a:p>
-            <a:r>
-              <a:rPr lang="en-US" altLang="zh-CN" sz="1200" b="0" i="0" kern="1200" dirty="0">
-                <a:solidFill>
-                  <a:schemeClr val="tx1"/>
-                </a:solidFill>
-                <a:effectLst/>
-                <a:latin typeface="+mn-lt"/>
-                <a:ea typeface="+mn-ea"/>
-                <a:cs typeface="+mn-cs"/>
-              </a:rPr>
-              <a:t>Most of the supporting files for the hives are in the %</a:t>
-            </a:r>
-            <a:r>
-              <a:rPr lang="en-US" altLang="zh-CN" sz="1200" b="0" i="0" kern="1200" dirty="0" err="1">
-                <a:solidFill>
-                  <a:schemeClr val="tx1"/>
-                </a:solidFill>
-                <a:effectLst/>
-                <a:latin typeface="+mn-lt"/>
-                <a:ea typeface="+mn-ea"/>
-                <a:cs typeface="+mn-cs"/>
-              </a:rPr>
-              <a:t>SystemRoot</a:t>
-            </a:r>
-            <a:r>
-              <a:rPr lang="en-US" altLang="zh-CN" sz="1200" b="0" i="0" kern="1200" dirty="0">
-                <a:solidFill>
-                  <a:schemeClr val="tx1"/>
-                </a:solidFill>
-                <a:effectLst/>
-                <a:latin typeface="+mn-lt"/>
-                <a:ea typeface="+mn-ea"/>
-                <a:cs typeface="+mn-cs"/>
-              </a:rPr>
-              <a:t>%\System32\Config directory. </a:t>
-            </a:r>
-          </a:p>
-          <a:p>
-            <a:r>
-              <a:rPr lang="en-US" altLang="zh-CN" sz="1200" b="0" i="0" kern="1200" dirty="0">
-                <a:solidFill>
-                  <a:schemeClr val="tx1"/>
-                </a:solidFill>
-                <a:effectLst/>
-                <a:latin typeface="+mn-lt"/>
-                <a:ea typeface="+mn-ea"/>
-                <a:cs typeface="+mn-cs"/>
-              </a:rPr>
-              <a:t>These files are updated each time a user logs on</a:t>
-            </a:r>
-            <a:endParaRPr lang="zh-CN" altLang="en-US" dirty="0"/>
-          </a:p>
-        </p:txBody>
-      </p:sp>
-      <p:sp>
-        <p:nvSpPr>
-          <p:cNvPr id="4" name="灯片编号占位符 3"/>
-          <p:cNvSpPr>
-            <a:spLocks noGrp="1"/>
-          </p:cNvSpPr>
-          <p:nvPr>
-            <p:ph type="sldNum" sz="quarter" idx="5"/>
-          </p:nvPr>
-        </p:nvSpPr>
-        <p:spPr/>
-        <p:txBody>
-          <a:bodyPr/>
-          <a:lstStyle/>
-          <a:p>
-            <a:fld id="{FF6B7014-1CA7-42FF-9E69-87C27AE33F47}" type="slidenum">
-              <a:rPr lang="zh-CN" altLang="en-US" smtClean="0"/>
-              <a:t>32</a:t>
-            </a:fld>
-            <a:endParaRPr lang="zh-CN" altLang="en-US"/>
-          </a:p>
-        </p:txBody>
-      </p:sp>
-    </p:spTree>
-    <p:extLst>
-      <p:ext uri="{BB962C8B-B14F-4D97-AF65-F5344CB8AC3E}">
-        <p14:creationId xmlns:p14="http://schemas.microsoft.com/office/powerpoint/2010/main" val="1537333672"/>
-      </p:ext>
-    </p:extLst>
-  </p:cSld>
-  <p:clrMapOvr>
-    <a:masterClrMapping/>
-  </p:clrMapOvr>
-</p:notes>
-</file>
-
 <file path=ppt/notesSlides/notesSlide13.xml><?xml version="1.0" encoding="utf-8"?>
 <p:notes xmlns:a="http://schemas.openxmlformats.org/drawingml/2006/main" xmlns:r="http://schemas.openxmlformats.org/officeDocument/2006/relationships" xmlns:p="http://schemas.openxmlformats.org/presentationml/2006/main">
   <p:cSld>
@@ -17647,7 +17597,7 @@
           <a:p>
             <a:fld id="{FF6B7014-1CA7-42FF-9E69-87C27AE33F47}" type="slidenum">
               <a:rPr lang="zh-CN" altLang="en-US" smtClean="0"/>
-              <a:t>33</a:t>
+              <a:t>32</a:t>
             </a:fld>
             <a:endParaRPr lang="zh-CN" altLang="en-US"/>
           </a:p>
@@ -17656,7 +17606,7 @@
     </p:spTree>
     <p:extLst>
       <p:ext uri="{BB962C8B-B14F-4D97-AF65-F5344CB8AC3E}">
-        <p14:creationId xmlns:p14="http://schemas.microsoft.com/office/powerpoint/2010/main" val="1936138412"/>
+        <p14:creationId xmlns:p14="http://schemas.microsoft.com/office/powerpoint/2010/main" val="1537333672"/>
       </p:ext>
     </p:extLst>
   </p:cSld>
@@ -17711,21 +17661,56 @@
           <a:lstStyle/>
           <a:p>
             <a:r>
-              <a:rPr lang="en-US" altLang="zh-CN" dirty="0"/>
-              <a:t>https://docs.microsoft.com/en-us/windows/win32/sysinfo/registry</a:t>
+              <a:rPr lang="en-US" altLang="zh-CN" sz="1200" b="0" i="0" kern="1200" dirty="0">
+                <a:solidFill>
+                  <a:schemeClr val="tx1"/>
+                </a:solidFill>
+                <a:effectLst/>
+                <a:latin typeface="+mn-lt"/>
+                <a:ea typeface="+mn-ea"/>
+                <a:cs typeface="+mn-cs"/>
+              </a:rPr>
+              <a:t>Most of the supporting files for the hives are in the %</a:t>
+            </a:r>
+            <a:r>
+              <a:rPr lang="en-US" altLang="zh-CN" sz="1200" b="0" i="0" kern="1200" dirty="0" err="1">
+                <a:solidFill>
+                  <a:schemeClr val="tx1"/>
+                </a:solidFill>
+                <a:effectLst/>
+                <a:latin typeface="+mn-lt"/>
+                <a:ea typeface="+mn-ea"/>
+                <a:cs typeface="+mn-cs"/>
+              </a:rPr>
+              <a:t>SystemRoot</a:t>
+            </a:r>
+            <a:r>
+              <a:rPr lang="en-US" altLang="zh-CN" sz="1200" b="0" i="0" kern="1200" dirty="0">
+                <a:solidFill>
+                  <a:schemeClr val="tx1"/>
+                </a:solidFill>
+                <a:effectLst/>
+                <a:latin typeface="+mn-lt"/>
+                <a:ea typeface="+mn-ea"/>
+                <a:cs typeface="+mn-cs"/>
+              </a:rPr>
+              <a:t>%\System32\Config directory. </a:t>
             </a:r>
           </a:p>
           <a:p>
-            <a:endParaRPr lang="en-US" altLang="zh-CN" dirty="0"/>
-          </a:p>
-          <a:p>
-            <a:r>
-              <a:rPr lang="en-US" altLang="zh-CN" dirty="0"/>
-              <a:t>A hive is a logical group of keys, subkeys, and values in the registry that has a set of supporting files loaded into memory when the operating system is started or a user logs in.</a:t>
-            </a:r>
-          </a:p>
-          <a:p>
-            <a:endParaRPr lang="en-US" altLang="zh-CN" dirty="0"/>
+            <a:r>
+              <a:rPr lang="en-US" altLang="zh-CN" sz="1200" b="0" i="0" kern="1200" dirty="0">
+                <a:solidFill>
+                  <a:schemeClr val="tx1"/>
+                </a:solidFill>
+                <a:effectLst/>
+                <a:latin typeface="+mn-lt"/>
+                <a:ea typeface="+mn-ea"/>
+                <a:cs typeface="+mn-cs"/>
+              </a:rPr>
+              <a:t>These files are updated each time a user logs on</a:t>
+            </a:r>
+            <a:endParaRPr lang="zh-CN" altLang="en-US" dirty="0"/>
           </a:p>
         </p:txBody>
       </p:sp>
@@ -17746,7 +17731,7 @@
           <a:p>
             <a:fld id="{FF6B7014-1CA7-42FF-9E69-87C27AE33F47}" type="slidenum">
               <a:rPr lang="zh-CN" altLang="en-US" smtClean="0"/>
-              <a:t>34</a:t>
+              <a:t>33</a:t>
             </a:fld>
             <a:endParaRPr lang="zh-CN" altLang="en-US"/>
           </a:p>
@@ -17755,7 +17740,7 @@
     </p:spTree>
     <p:extLst>
       <p:ext uri="{BB962C8B-B14F-4D97-AF65-F5344CB8AC3E}">
-        <p14:creationId xmlns:p14="http://schemas.microsoft.com/office/powerpoint/2010/main" val="692336995"/>
+        <p14:creationId xmlns:p14="http://schemas.microsoft.com/office/powerpoint/2010/main" val="1936138412"/>
       </p:ext>
     </p:extLst>
   </p:cSld>
@@ -17810,56 +17795,21 @@
           <a:lstStyle/>
           <a:p>
             <a:r>
-              <a:rPr lang="en-US" altLang="zh-CN" sz="1200" b="0" i="0" kern="1200" dirty="0">
-                <a:solidFill>
-                  <a:schemeClr val="tx1"/>
-                </a:solidFill>
-                <a:effectLst/>
-                <a:latin typeface="+mn-lt"/>
-                <a:ea typeface="+mn-ea"/>
-                <a:cs typeface="+mn-cs"/>
-              </a:rPr>
-              <a:t>Most of the supporting files for the hives are in the %</a:t>
-            </a:r>
-            <a:r>
-              <a:rPr lang="en-US" altLang="zh-CN" sz="1200" b="0" i="0" kern="1200" dirty="0" err="1">
-                <a:solidFill>
-                  <a:schemeClr val="tx1"/>
-                </a:solidFill>
-                <a:effectLst/>
-                <a:latin typeface="+mn-lt"/>
-                <a:ea typeface="+mn-ea"/>
-                <a:cs typeface="+mn-cs"/>
-              </a:rPr>
-              <a:t>SystemRoot</a:t>
-            </a:r>
-            <a:r>
-              <a:rPr lang="en-US" altLang="zh-CN" sz="1200" b="0" i="0" kern="1200" dirty="0">
-                <a:solidFill>
-                  <a:schemeClr val="tx1"/>
-                </a:solidFill>
-                <a:effectLst/>
-                <a:latin typeface="+mn-lt"/>
-                <a:ea typeface="+mn-ea"/>
-                <a:cs typeface="+mn-cs"/>
-              </a:rPr>
-              <a:t>%\System32\Config directory. </a:t>
+              <a:rPr lang="en-US" altLang="zh-CN" dirty="0"/>
+              <a:t>https://docs.microsoft.com/en-us/windows/win32/sysinfo/registry</a:t>
             </a:r>
           </a:p>
           <a:p>
-            <a:r>
-              <a:rPr lang="en-US" altLang="zh-CN" sz="1200" b="0" i="0" kern="1200" dirty="0">
-                <a:solidFill>
-                  <a:schemeClr val="tx1"/>
-                </a:solidFill>
-                <a:effectLst/>
-                <a:latin typeface="+mn-lt"/>
-                <a:ea typeface="+mn-ea"/>
-                <a:cs typeface="+mn-cs"/>
-              </a:rPr>
-              <a:t>These files are updated each time a user logs on</a:t>
-            </a:r>
-            <a:endParaRPr lang="zh-CN" altLang="en-US" dirty="0"/>
+            <a:endParaRPr lang="en-US" altLang="zh-CN" dirty="0"/>
+          </a:p>
+          <a:p>
+            <a:r>
+              <a:rPr lang="en-US" altLang="zh-CN" dirty="0"/>
+              <a:t>A hive is a logical group of keys, subkeys, and values in the registry that has a set of supporting files loaded into memory when the operating system is started or a user logs in.</a:t>
+            </a:r>
+          </a:p>
+          <a:p>
+            <a:endParaRPr lang="en-US" altLang="zh-CN" dirty="0"/>
           </a:p>
         </p:txBody>
       </p:sp>
@@ -17880,7 +17830,7 @@
           <a:p>
             <a:fld id="{FF6B7014-1CA7-42FF-9E69-87C27AE33F47}" type="slidenum">
               <a:rPr lang="zh-CN" altLang="en-US" smtClean="0"/>
-              <a:t>35</a:t>
+              <a:t>34</a:t>
             </a:fld>
             <a:endParaRPr lang="zh-CN" altLang="en-US"/>
           </a:p>
@@ -17889,7 +17839,7 @@
     </p:spTree>
     <p:extLst>
       <p:ext uri="{BB962C8B-B14F-4D97-AF65-F5344CB8AC3E}">
-        <p14:creationId xmlns:p14="http://schemas.microsoft.com/office/powerpoint/2010/main" val="3762025210"/>
+        <p14:creationId xmlns:p14="http://schemas.microsoft.com/office/powerpoint/2010/main" val="692336995"/>
       </p:ext>
     </p:extLst>
   </p:cSld>
@@ -18014,6 +17964,140 @@
           <a:p>
             <a:fld id="{FF6B7014-1CA7-42FF-9E69-87C27AE33F47}" type="slidenum">
               <a:rPr lang="zh-CN" altLang="en-US" smtClean="0"/>
+              <a:t>35</a:t>
+            </a:fld>
+            <a:endParaRPr lang="zh-CN" altLang="en-US"/>
+          </a:p>
+        </p:txBody>
+      </p:sp>
+    </p:spTree>
+    <p:extLst>
+      <p:ext uri="{BB962C8B-B14F-4D97-AF65-F5344CB8AC3E}">
+        <p14:creationId xmlns:p14="http://schemas.microsoft.com/office/powerpoint/2010/main" val="3762025210"/>
+      </p:ext>
+    </p:extLst>
+  </p:cSld>
+  <p:clrMapOvr>
+    <a:masterClrMapping/>
+  </p:clrMapOvr>
+</p:notes>
+</file>
+
+<file path=ppt/notesSlides/notesSlide17.xml><?xml version="1.0" encoding="utf-8"?>
+<p:notes xmlns:a="http://schemas.openxmlformats.org/drawingml/2006/main" xmlns:r="http://schemas.openxmlformats.org/officeDocument/2006/relationships" xmlns:p="http://schemas.openxmlformats.org/presentationml/2006/main">
+  <p:cSld>
+    <p:spTree>
+      <p:nvGrpSpPr>
+        <p:cNvPr id="1" name=""/>
+        <p:cNvGrpSpPr/>
+        <p:nvPr/>
+      </p:nvGrpSpPr>
+      <p:grpSpPr>
+        <a:xfrm>
+          <a:off x="0" y="0"/>
+          <a:ext cx="0" cy="0"/>
+          <a:chOff x="0" y="0"/>
+          <a:chExt cx="0" cy="0"/>
+        </a:xfrm>
+      </p:grpSpPr>
+      <p:sp>
+        <p:nvSpPr>
+          <p:cNvPr id="2" name="幻灯片图像占位符 1"/>
+          <p:cNvSpPr>
+            <a:spLocks noGrp="1" noRot="1" noChangeAspect="1"/>
+          </p:cNvSpPr>
+          <p:nvPr>
+            <p:ph type="sldImg"/>
+          </p:nvPr>
+        </p:nvSpPr>
+        <p:spPr/>
+      </p:sp>
+      <p:sp>
+        <p:nvSpPr>
+          <p:cNvPr id="3" name="备注占位符 2"/>
+          <p:cNvSpPr>
+            <a:spLocks noGrp="1"/>
+          </p:cNvSpPr>
+          <p:nvPr>
+            <p:ph type="body" idx="1"/>
+          </p:nvPr>
+        </p:nvSpPr>
+        <p:spPr/>
+        <p:txBody>
+          <a:bodyPr/>
+          <a:lstStyle/>
+          <a:p>
+            <a:r>
+              <a:rPr lang="en-US" altLang="zh-CN" sz="1200" b="0" i="0" kern="1200" dirty="0">
+                <a:solidFill>
+                  <a:schemeClr val="tx1"/>
+                </a:solidFill>
+                <a:effectLst/>
+                <a:latin typeface="+mn-lt"/>
+                <a:ea typeface="+mn-ea"/>
+                <a:cs typeface="+mn-cs"/>
+              </a:rPr>
+              <a:t>Most of the supporting files for the hives are in the %</a:t>
+            </a:r>
+            <a:r>
+              <a:rPr lang="en-US" altLang="zh-CN" sz="1200" b="0" i="0" kern="1200" dirty="0" err="1">
+                <a:solidFill>
+                  <a:schemeClr val="tx1"/>
+                </a:solidFill>
+                <a:effectLst/>
+                <a:latin typeface="+mn-lt"/>
+                <a:ea typeface="+mn-ea"/>
+                <a:cs typeface="+mn-cs"/>
+              </a:rPr>
+              <a:t>SystemRoot</a:t>
+            </a:r>
+            <a:r>
+              <a:rPr lang="en-US" altLang="zh-CN" sz="1200" b="0" i="0" kern="1200" dirty="0">
+                <a:solidFill>
+                  <a:schemeClr val="tx1"/>
+                </a:solidFill>
+                <a:effectLst/>
+                <a:latin typeface="+mn-lt"/>
+                <a:ea typeface="+mn-ea"/>
+                <a:cs typeface="+mn-cs"/>
+              </a:rPr>
+              <a:t>%\System32\Config directory. </a:t>
+            </a:r>
+          </a:p>
+          <a:p>
+            <a:r>
+              <a:rPr lang="en-US" altLang="zh-CN" sz="1200" b="0" i="0" kern="1200" dirty="0">
+                <a:solidFill>
+                  <a:schemeClr val="tx1"/>
+                </a:solidFill>
+                <a:effectLst/>
+                <a:latin typeface="+mn-lt"/>
+                <a:ea typeface="+mn-ea"/>
+                <a:cs typeface="+mn-cs"/>
+              </a:rPr>
+              <a:t>These files are updated each time a user logs on</a:t>
+            </a:r>
+            <a:endParaRPr lang="zh-CN" altLang="en-US" dirty="0"/>
+          </a:p>
+        </p:txBody>
+      </p:sp>
+      <p:sp>
+        <p:nvSpPr>
+          <p:cNvPr id="4" name="灯片编号占位符 3"/>
+          <p:cNvSpPr>
+            <a:spLocks noGrp="1"/>
+          </p:cNvSpPr>
+          <p:nvPr>
+            <p:ph type="sldNum" sz="quarter" idx="5"/>
+          </p:nvPr>
+        </p:nvSpPr>
+        <p:spPr/>
+        <p:txBody>
+          <a:bodyPr/>
+          <a:lstStyle/>
+          <a:p>
+            <a:fld id="{FF6B7014-1CA7-42FF-9E69-87C27AE33F47}" type="slidenum">
+              <a:rPr lang="zh-CN" altLang="en-US" smtClean="0"/>
               <a:t>36</a:t>
             </a:fld>
             <a:endParaRPr lang="zh-CN" altLang="en-US"/>
@@ -18033,7 +18117,7 @@
 </p:notes>
 </file>
 
-<file path=ppt/notesSlides/notesSlide17.xml><?xml version="1.0" encoding="utf-8"?>
+<file path=ppt/notesSlides/notesSlide18.xml><?xml version="1.0" encoding="utf-8"?>
 <p:notes xmlns:a="http://schemas.openxmlformats.org/drawingml/2006/main" xmlns:r="http://schemas.openxmlformats.org/officeDocument/2006/relationships" xmlns:p="http://schemas.openxmlformats.org/presentationml/2006/main">
   <p:cSld>
     <p:spTree>
@@ -18329,6 +18413,36 @@
           <a:bodyPr/>
           <a:lstStyle/>
           <a:p>
+            <a:r>
+              <a:rPr lang="en-US" altLang="zh-CN" dirty="0"/>
+              <a:t>https://docs.microsoft.com/en-us/dotnet/framework/interop/registration-free-com-interop</a:t>
+            </a:r>
+          </a:p>
+          <a:p>
+            <a:r>
+              <a:rPr lang="en-US" altLang="zh-CN" dirty="0"/>
+              <a:t>https://docs.microsoft.com/en-us/windows/win32/sbscs/application-manifests</a:t>
+            </a:r>
+          </a:p>
+          <a:p>
+            <a:r>
+              <a:rPr lang="en-US" altLang="zh-CN" dirty="0"/>
+              <a:t>https://blogs.windows.com/windowsdeveloper/2019/04/30/enhancing-non-packaged-desktop-apps-using-windows-runtime-components/</a:t>
+            </a:r>
+          </a:p>
+          <a:p>
+            <a:r>
+              <a:rPr lang="en-US" altLang="zh-CN" dirty="0"/>
+              <a:t>https://docs.microsoft.com/en-us/dotnet/api/microsoft.win32.registryhive</a:t>
+            </a:r>
+          </a:p>
+          <a:p>
+            <a:r>
+              <a:rPr lang="en-US" altLang="zh-CN"/>
+              <a:t>http://www.winwin7.com/JC/5990.html</a:t>
+            </a:r>
+          </a:p>
+          <a:p>
             <a:endParaRPr lang="zh-CN" altLang="en-US" dirty="0"/>
           </a:p>
         </p:txBody>
@@ -18350,7 +18464,7 @@
           <a:p>
             <a:fld id="{FF6B7014-1CA7-42FF-9E69-87C27AE33F47}" type="slidenum">
               <a:rPr lang="zh-CN" altLang="en-US" smtClean="0"/>
-              <a:t>5</a:t>
+              <a:t>4</a:t>
             </a:fld>
             <a:endParaRPr lang="zh-CN" altLang="en-US"/>
           </a:p>
@@ -18359,7 +18473,7 @@
     </p:spTree>
     <p:extLst>
       <p:ext uri="{BB962C8B-B14F-4D97-AF65-F5344CB8AC3E}">
-        <p14:creationId xmlns:p14="http://schemas.microsoft.com/office/powerpoint/2010/main" val="394695360"/>
+        <p14:creationId xmlns:p14="http://schemas.microsoft.com/office/powerpoint/2010/main" val="2823110417"/>
       </p:ext>
     </p:extLst>
   </p:cSld>
@@ -18413,27 +18527,6 @@
           <a:bodyPr/>
           <a:lstStyle/>
           <a:p>
-            <a:r>
-              <a:rPr lang="en-US" altLang="zh-CN" dirty="0"/>
-              <a:t>https://support.microsoft.com/en-us/help/305097/how-to-view-the-system-registry-by-using-64-bit-versions-of-windows</a:t>
-            </a:r>
-          </a:p>
-          <a:p>
-            <a:endParaRPr lang="en-US" altLang="zh-CN" dirty="0"/>
-          </a:p>
-          <a:p>
-            <a:r>
-              <a:rPr lang="en-US" altLang="zh-CN" dirty="0"/>
-              <a:t>You must close the 64-bit version of Registry Editor before you can open the 32-bit version (and vice versa) unless you start the second instance of Registry Editor with the -m switch. For example, if the 64-bit version of Registry Editor is already running, type %</a:t>
-            </a:r>
-            <a:r>
-              <a:rPr lang="en-US" altLang="zh-CN" dirty="0" err="1"/>
-              <a:t>systemroot</a:t>
-            </a:r>
-            <a:r>
-              <a:rPr lang="en-US" altLang="zh-CN" dirty="0"/>
-              <a:t>%\syswow64\regedit -m in step 2 to start the 32-bit version of Registry Editor.</a:t>
-            </a:r>
             <a:endParaRPr lang="zh-CN" altLang="en-US" dirty="0"/>
           </a:p>
         </p:txBody>
@@ -18455,7 +18548,7 @@
           <a:p>
             <a:fld id="{FF6B7014-1CA7-42FF-9E69-87C27AE33F47}" type="slidenum">
               <a:rPr lang="zh-CN" altLang="en-US" smtClean="0"/>
-              <a:t>6</a:t>
+              <a:t>5</a:t>
             </a:fld>
             <a:endParaRPr lang="zh-CN" altLang="en-US"/>
           </a:p>
@@ -18464,7 +18557,7 @@
     </p:spTree>
     <p:extLst>
       <p:ext uri="{BB962C8B-B14F-4D97-AF65-F5344CB8AC3E}">
-        <p14:creationId xmlns:p14="http://schemas.microsoft.com/office/powerpoint/2010/main" val="3781416324"/>
+        <p14:creationId xmlns:p14="http://schemas.microsoft.com/office/powerpoint/2010/main" val="394695360"/>
       </p:ext>
     </p:extLst>
   </p:cSld>
@@ -18520,6 +18613,111 @@
           <a:p>
             <a:r>
               <a:rPr lang="en-US" altLang="zh-CN" dirty="0"/>
+              <a:t>https://support.microsoft.com/en-us/help/305097/how-to-view-the-system-registry-by-using-64-bit-versions-of-windows</a:t>
+            </a:r>
+          </a:p>
+          <a:p>
+            <a:endParaRPr lang="en-US" altLang="zh-CN" dirty="0"/>
+          </a:p>
+          <a:p>
+            <a:r>
+              <a:rPr lang="en-US" altLang="zh-CN" dirty="0"/>
+              <a:t>You must close the 64-bit version of Registry Editor before you can open the 32-bit version (and vice versa) unless you start the second instance of Registry Editor with the -m switch. For example, if the 64-bit version of Registry Editor is already running, type %</a:t>
+            </a:r>
+            <a:r>
+              <a:rPr lang="en-US" altLang="zh-CN" dirty="0" err="1"/>
+              <a:t>systemroot</a:t>
+            </a:r>
+            <a:r>
+              <a:rPr lang="en-US" altLang="zh-CN" dirty="0"/>
+              <a:t>%\syswow64\regedit -m in step 2 to start the 32-bit version of Registry Editor.</a:t>
+            </a:r>
+            <a:endParaRPr lang="zh-CN" altLang="en-US" dirty="0"/>
+          </a:p>
+        </p:txBody>
+      </p:sp>
+      <p:sp>
+        <p:nvSpPr>
+          <p:cNvPr id="4" name="灯片编号占位符 3"/>
+          <p:cNvSpPr>
+            <a:spLocks noGrp="1"/>
+          </p:cNvSpPr>
+          <p:nvPr>
+            <p:ph type="sldNum" sz="quarter" idx="5"/>
+          </p:nvPr>
+        </p:nvSpPr>
+        <p:spPr/>
+        <p:txBody>
+          <a:bodyPr/>
+          <a:lstStyle/>
+          <a:p>
+            <a:fld id="{FF6B7014-1CA7-42FF-9E69-87C27AE33F47}" type="slidenum">
+              <a:rPr lang="zh-CN" altLang="en-US" smtClean="0"/>
+              <a:t>6</a:t>
+            </a:fld>
+            <a:endParaRPr lang="zh-CN" altLang="en-US"/>
+          </a:p>
+        </p:txBody>
+      </p:sp>
+    </p:spTree>
+    <p:extLst>
+      <p:ext uri="{BB962C8B-B14F-4D97-AF65-F5344CB8AC3E}">
+        <p14:creationId xmlns:p14="http://schemas.microsoft.com/office/powerpoint/2010/main" val="3781416324"/>
+      </p:ext>
+    </p:extLst>
+  </p:cSld>
+  <p:clrMapOvr>
+    <a:masterClrMapping/>
+  </p:clrMapOvr>
+</p:notes>
+</file>
+
+<file path=ppt/notesSlides/notesSlide7.xml><?xml version="1.0" encoding="utf-8"?>
+<p:notes xmlns:a="http://schemas.openxmlformats.org/drawingml/2006/main" xmlns:r="http://schemas.openxmlformats.org/officeDocument/2006/relationships" xmlns:p="http://schemas.openxmlformats.org/presentationml/2006/main">
+  <p:cSld>
+    <p:spTree>
+      <p:nvGrpSpPr>
+        <p:cNvPr id="1" name=""/>
+        <p:cNvGrpSpPr/>
+        <p:nvPr/>
+      </p:nvGrpSpPr>
+      <p:grpSpPr>
+        <a:xfrm>
+          <a:off x="0" y="0"/>
+          <a:ext cx="0" cy="0"/>
+          <a:chOff x="0" y="0"/>
+          <a:chExt cx="0" cy="0"/>
+        </a:xfrm>
+      </p:grpSpPr>
+      <p:sp>
+        <p:nvSpPr>
+          <p:cNvPr id="2" name="幻灯片图像占位符 1"/>
+          <p:cNvSpPr>
+            <a:spLocks noGrp="1" noRot="1" noChangeAspect="1"/>
+          </p:cNvSpPr>
+          <p:nvPr>
+            <p:ph type="sldImg"/>
+          </p:nvPr>
+        </p:nvSpPr>
+        <p:spPr/>
+      </p:sp>
+      <p:sp>
+        <p:nvSpPr>
+          <p:cNvPr id="3" name="备注占位符 2"/>
+          <p:cNvSpPr>
+            <a:spLocks noGrp="1"/>
+          </p:cNvSpPr>
+          <p:nvPr>
+            <p:ph type="body" idx="1"/>
+          </p:nvPr>
+        </p:nvSpPr>
+        <p:spPr/>
+        <p:txBody>
+          <a:bodyPr/>
+          <a:lstStyle/>
+          <a:p>
+            <a:r>
+              <a:rPr lang="en-US" altLang="zh-CN" dirty="0"/>
               <a:t>https://docs.microsoft.com/en-us/windows/win32/sysinfo/registry-element-size-limits</a:t>
             </a:r>
             <a:endParaRPr lang="zh-CN" altLang="en-US" dirty="0"/>
@@ -18562,7 +18760,7 @@
 </p:notes>
 </file>
 
-<file path=ppt/notesSlides/notesSlide7.xml><?xml version="1.0" encoding="utf-8"?>
+<file path=ppt/notesSlides/notesSlide8.xml><?xml version="1.0" encoding="utf-8"?>
 <p:notes xmlns:a="http://schemas.openxmlformats.org/drawingml/2006/main" xmlns:r="http://schemas.openxmlformats.org/officeDocument/2006/relationships" xmlns:p="http://schemas.openxmlformats.org/presentationml/2006/main">
   <p:cSld>
     <p:spTree>
@@ -18646,7 +18844,7 @@
 </p:notes>
 </file>
 
-<file path=ppt/notesSlides/notesSlide8.xml><?xml version="1.0" encoding="utf-8"?>
+<file path=ppt/notesSlides/notesSlide9.xml><?xml version="1.0" encoding="utf-8"?>
 <p:notes xmlns:a="http://schemas.openxmlformats.org/drawingml/2006/main" xmlns:r="http://schemas.openxmlformats.org/officeDocument/2006/relationships" xmlns:p="http://schemas.openxmlformats.org/presentationml/2006/main">
   <p:cSld>
     <p:spTree>
@@ -18721,90 +18919,6 @@
     <p:extLst>
       <p:ext uri="{BB962C8B-B14F-4D97-AF65-F5344CB8AC3E}">
         <p14:creationId xmlns:p14="http://schemas.microsoft.com/office/powerpoint/2010/main" val="1768142883"/>
-      </p:ext>
-    </p:extLst>
-  </p:cSld>
-  <p:clrMapOvr>
-    <a:masterClrMapping/>
-  </p:clrMapOvr>
-</p:notes>
-</file>
-
-<file path=ppt/notesSlides/notesSlide9.xml><?xml version="1.0" encoding="utf-8"?>
-<p:notes xmlns:a="http://schemas.openxmlformats.org/drawingml/2006/main" xmlns:r="http://schemas.openxmlformats.org/officeDocument/2006/relationships" xmlns:p="http://schemas.openxmlformats.org/presentationml/2006/main">
-  <p:cSld>
-    <p:spTree>
-      <p:nvGrpSpPr>
-        <p:cNvPr id="1" name=""/>
-        <p:cNvGrpSpPr/>
-        <p:nvPr/>
-      </p:nvGrpSpPr>
-      <p:grpSpPr>
-        <a:xfrm>
-          <a:off x="0" y="0"/>
-          <a:ext cx="0" cy="0"/>
-          <a:chOff x="0" y="0"/>
-          <a:chExt cx="0" cy="0"/>
-        </a:xfrm>
-      </p:grpSpPr>
-      <p:sp>
-        <p:nvSpPr>
-          <p:cNvPr id="2" name="幻灯片图像占位符 1"/>
-          <p:cNvSpPr>
-            <a:spLocks noGrp="1" noRot="1" noChangeAspect="1"/>
-          </p:cNvSpPr>
-          <p:nvPr>
-            <p:ph type="sldImg"/>
-          </p:nvPr>
-        </p:nvSpPr>
-        <p:spPr/>
-      </p:sp>
-      <p:sp>
-        <p:nvSpPr>
-          <p:cNvPr id="3" name="备注占位符 2"/>
-          <p:cNvSpPr>
-            <a:spLocks noGrp="1"/>
-          </p:cNvSpPr>
-          <p:nvPr>
-            <p:ph type="body" idx="1"/>
-          </p:nvPr>
-        </p:nvSpPr>
-        <p:spPr/>
-        <p:txBody>
-          <a:bodyPr/>
-          <a:lstStyle/>
-          <a:p>
-            <a:endParaRPr lang="zh-CN" altLang="en-US" dirty="0"/>
-          </a:p>
-        </p:txBody>
-      </p:sp>
-      <p:sp>
-        <p:nvSpPr>
-          <p:cNvPr id="4" name="灯片编号占位符 3"/>
-          <p:cNvSpPr>
-            <a:spLocks noGrp="1"/>
-          </p:cNvSpPr>
-          <p:nvPr>
-            <p:ph type="sldNum" sz="quarter" idx="5"/>
-          </p:nvPr>
-        </p:nvSpPr>
-        <p:spPr/>
-        <p:txBody>
-          <a:bodyPr/>
-          <a:lstStyle/>
-          <a:p>
-            <a:fld id="{FF6B7014-1CA7-42FF-9E69-87C27AE33F47}" type="slidenum">
-              <a:rPr lang="zh-CN" altLang="en-US" smtClean="0"/>
-              <a:t>27</a:t>
-            </a:fld>
-            <a:endParaRPr lang="zh-CN" altLang="en-US"/>
-          </a:p>
-        </p:txBody>
-      </p:sp>
-    </p:spTree>
-    <p:extLst>
-      <p:ext uri="{BB962C8B-B14F-4D97-AF65-F5344CB8AC3E}">
-        <p14:creationId xmlns:p14="http://schemas.microsoft.com/office/powerpoint/2010/main" val="1733447774"/>
       </p:ext>
     </p:extLst>
   </p:cSld>
@@ -40647,8 +40761,8 @@
         </p:nvSpPr>
         <p:spPr>
           <a:xfrm>
-            <a:off x="1943100" y="1136223"/>
-            <a:ext cx="8305799" cy="4912444"/>
+            <a:off x="1943100" y="1136222"/>
+            <a:ext cx="8305799" cy="5199263"/>
           </a:xfrm>
         </p:spPr>
         <p:txBody>
@@ -41375,6 +41489,59 @@
                 </a:solidFill>
               </a:rPr>
               <a:t>XML</a:t>
+            </a:r>
+          </a:p>
+          <a:p>
+            <a:pPr marL="742950" lvl="1" indent="-285750"/>
+            <a:r>
+              <a:rPr lang="en-US" altLang="zh-CN" sz="1200" dirty="0">
+                <a:solidFill>
+                  <a:schemeClr val="bg2">
+                    <a:lumMod val="25000"/>
+                  </a:schemeClr>
+                </a:solidFill>
+              </a:rPr>
+              <a:t>Registration-Free COM Interop</a:t>
+            </a:r>
+            <a:r>
+              <a:rPr lang="zh-CN" altLang="en-US" sz="1200" dirty="0">
+                <a:solidFill>
+                  <a:schemeClr val="bg2">
+                    <a:lumMod val="25000"/>
+                  </a:schemeClr>
+                </a:solidFill>
+              </a:rPr>
+              <a:t>：</a:t>
+            </a:r>
+            <a:r>
+              <a:rPr lang="en-US" altLang="zh-CN" sz="1200" dirty="0">
+                <a:solidFill>
+                  <a:schemeClr val="bg2">
+                    <a:lumMod val="25000"/>
+                  </a:schemeClr>
+                </a:solidFill>
+              </a:rPr>
+              <a:t>application and component manifests.</a:t>
+            </a:r>
+            <a:r>
+              <a:rPr lang="zh-CN" altLang="en-US" sz="1200" dirty="0">
+                <a:solidFill>
+                  <a:schemeClr val="bg2">
+                    <a:lumMod val="25000"/>
+                  </a:schemeClr>
+                </a:solidFill>
+              </a:rPr>
+              <a:t> </a:t>
+            </a:r>
+            <a:r>
+              <a:rPr lang="en-US" altLang="zh-CN" sz="1200" dirty="0">
+                <a:solidFill>
+                  <a:schemeClr val="bg2">
+                    <a:lumMod val="25000"/>
+                  </a:schemeClr>
+                </a:solidFill>
+              </a:rPr>
+              <a:t>A component manifest, created by a component developer, contains information otherwise located in the Windows registry.</a:t>
             </a:r>
             <a:endParaRPr lang="zh-CN" altLang="en-US" sz="1200" dirty="0">
               <a:solidFill>
